--- a/Week1-Introduction.pptx
+++ b/Week1-Introduction.pptx
@@ -5,7 +5,7 @@
     <p:sldMasterId id="2147483690" r:id="rId1"/>
   </p:sldMasterIdLst>
   <p:notesMasterIdLst>
-    <p:notesMasterId r:id="rId14"/>
+    <p:notesMasterId r:id="rId18"/>
   </p:notesMasterIdLst>
   <p:sldIdLst>
     <p:sldId id="256" r:id="rId2"/>
@@ -18,8 +18,12 @@
     <p:sldId id="259" r:id="rId9"/>
     <p:sldId id="262" r:id="rId10"/>
     <p:sldId id="264" r:id="rId11"/>
-    <p:sldId id="266" r:id="rId12"/>
-    <p:sldId id="260" r:id="rId13"/>
+    <p:sldId id="270" r:id="rId12"/>
+    <p:sldId id="271" r:id="rId13"/>
+    <p:sldId id="272" r:id="rId14"/>
+    <p:sldId id="273" r:id="rId15"/>
+    <p:sldId id="266" r:id="rId16"/>
+    <p:sldId id="260" r:id="rId17"/>
   </p:sldIdLst>
   <p:sldSz cx="12192000" cy="6858000"/>
   <p:notesSz cx="6858000" cy="9144000"/>
@@ -499,7 +503,7 @@
           <a:p>
             <a:fld id="{EE935936-B6DB-284C-A891-27C1FCE613B3}" type="datetimeFigureOut">
               <a:rPr lang="en-US" smtClean="0"/>
-              <a:t>5/24/22</a:t>
+              <a:t>5/31/22</a:t>
             </a:fld>
             <a:endParaRPr lang="en-US"/>
           </a:p>
@@ -10359,7 +10363,7 @@
           <a:p>
             <a:fld id="{DA1161E1-0024-7546-8342-EAA6D0B2C926}" type="datetimeFigureOut">
               <a:rPr lang="en-US" smtClean="0"/>
-              <a:t>5/24/22</a:t>
+              <a:t>5/31/22</a:t>
             </a:fld>
             <a:endParaRPr lang="en-US"/>
           </a:p>
@@ -10566,7 +10570,7 @@
           <a:p>
             <a:fld id="{DA1161E1-0024-7546-8342-EAA6D0B2C926}" type="datetimeFigureOut">
               <a:rPr lang="en-US" smtClean="0"/>
-              <a:t>5/24/22</a:t>
+              <a:t>5/31/22</a:t>
             </a:fld>
             <a:endParaRPr lang="en-US"/>
           </a:p>
@@ -10746,7 +10750,7 @@
           <a:p>
             <a:fld id="{DA1161E1-0024-7546-8342-EAA6D0B2C926}" type="datetimeFigureOut">
               <a:rPr lang="en-US" smtClean="0"/>
-              <a:t>5/24/22</a:t>
+              <a:t>5/31/22</a:t>
             </a:fld>
             <a:endParaRPr lang="en-US"/>
           </a:p>
@@ -10951,7 +10955,7 @@
           <a:p>
             <a:fld id="{DA1161E1-0024-7546-8342-EAA6D0B2C926}" type="datetimeFigureOut">
               <a:rPr lang="en-US" smtClean="0"/>
-              <a:t>5/24/22</a:t>
+              <a:t>5/31/22</a:t>
             </a:fld>
             <a:endParaRPr lang="en-US"/>
           </a:p>
@@ -19849,7 +19853,7 @@
           <a:p>
             <a:fld id="{DA1161E1-0024-7546-8342-EAA6D0B2C926}" type="datetimeFigureOut">
               <a:rPr lang="en-US" smtClean="0"/>
-              <a:t>5/24/22</a:t>
+              <a:t>5/31/22</a:t>
             </a:fld>
             <a:endParaRPr lang="en-US"/>
           </a:p>
@@ -20123,7 +20127,7 @@
           <a:p>
             <a:fld id="{DA1161E1-0024-7546-8342-EAA6D0B2C926}" type="datetimeFigureOut">
               <a:rPr lang="en-US" smtClean="0"/>
-              <a:t>5/24/22</a:t>
+              <a:t>5/31/22</a:t>
             </a:fld>
             <a:endParaRPr lang="en-US"/>
           </a:p>
@@ -20521,7 +20525,7 @@
           <a:p>
             <a:fld id="{DA1161E1-0024-7546-8342-EAA6D0B2C926}" type="datetimeFigureOut">
               <a:rPr lang="en-US" smtClean="0"/>
-              <a:t>5/24/22</a:t>
+              <a:t>5/31/22</a:t>
             </a:fld>
             <a:endParaRPr lang="en-US"/>
           </a:p>
@@ -20639,7 +20643,7 @@
           <a:p>
             <a:fld id="{DA1161E1-0024-7546-8342-EAA6D0B2C926}" type="datetimeFigureOut">
               <a:rPr lang="en-US" smtClean="0"/>
-              <a:t>5/24/22</a:t>
+              <a:t>5/31/22</a:t>
             </a:fld>
             <a:endParaRPr lang="en-US"/>
           </a:p>
@@ -20734,7 +20738,7 @@
           <a:p>
             <a:fld id="{DA1161E1-0024-7546-8342-EAA6D0B2C926}" type="datetimeFigureOut">
               <a:rPr lang="en-US" smtClean="0"/>
-              <a:t>5/24/22</a:t>
+              <a:t>5/31/22</a:t>
             </a:fld>
             <a:endParaRPr lang="en-US"/>
           </a:p>
@@ -21024,7 +21028,7 @@
           <a:p>
             <a:fld id="{DA1161E1-0024-7546-8342-EAA6D0B2C926}" type="datetimeFigureOut">
               <a:rPr lang="en-US" smtClean="0"/>
-              <a:t>5/24/22</a:t>
+              <a:t>5/31/22</a:t>
             </a:fld>
             <a:endParaRPr lang="en-US"/>
           </a:p>
@@ -21304,7 +21308,7 @@
           <a:p>
             <a:fld id="{DA1161E1-0024-7546-8342-EAA6D0B2C926}" type="datetimeFigureOut">
               <a:rPr lang="en-US" smtClean="0"/>
-              <a:t>5/24/22</a:t>
+              <a:t>5/31/22</a:t>
             </a:fld>
             <a:endParaRPr lang="en-US"/>
           </a:p>
@@ -21554,7 +21558,7 @@
           <a:p>
             <a:fld id="{DA1161E1-0024-7546-8342-EAA6D0B2C926}" type="datetimeFigureOut">
               <a:rPr lang="en-US" smtClean="0"/>
-              <a:t>5/24/22</a:t>
+              <a:t>5/31/22</a:t>
             </a:fld>
             <a:endParaRPr lang="en-US"/>
           </a:p>
@@ -22507,6 +22511,429 @@
 <file path=ppt/slides/slide11.xml><?xml version="1.0" encoding="utf-8"?>
 <p:sld xmlns:a="http://schemas.openxmlformats.org/drawingml/2006/main" xmlns:r="http://schemas.openxmlformats.org/officeDocument/2006/relationships" xmlns:p="http://schemas.openxmlformats.org/presentationml/2006/main">
   <p:cSld>
+    <p:spTree>
+      <p:nvGrpSpPr>
+        <p:cNvPr id="1" name=""/>
+        <p:cNvGrpSpPr/>
+        <p:nvPr/>
+      </p:nvGrpSpPr>
+      <p:grpSpPr>
+        <a:xfrm>
+          <a:off x="0" y="0"/>
+          <a:ext cx="0" cy="0"/>
+          <a:chOff x="0" y="0"/>
+          <a:chExt cx="0" cy="0"/>
+        </a:xfrm>
+      </p:grpSpPr>
+      <p:sp>
+        <p:nvSpPr>
+          <p:cNvPr id="2" name="Title 1">
+            <a:extLst>
+              <a:ext uri="{FF2B5EF4-FFF2-40B4-BE49-F238E27FC236}">
+                <a16:creationId xmlns:a16="http://schemas.microsoft.com/office/drawing/2014/main" id="{0BF5ACC5-4922-B305-F38A-F186AE680DCC}"/>
+              </a:ext>
+            </a:extLst>
+          </p:cNvPr>
+          <p:cNvSpPr>
+            <a:spLocks noGrp="1"/>
+          </p:cNvSpPr>
+          <p:nvPr>
+            <p:ph type="title"/>
+          </p:nvPr>
+        </p:nvSpPr>
+        <p:spPr/>
+        <p:txBody>
+          <a:bodyPr/>
+          <a:lstStyle/>
+          <a:p>
+            <a:r>
+              <a:rPr lang="en-US" dirty="0"/>
+              <a:t>Atom functionality</a:t>
+            </a:r>
+          </a:p>
+        </p:txBody>
+      </p:sp>
+      <p:sp>
+        <p:nvSpPr>
+          <p:cNvPr id="3" name="Content Placeholder 2">
+            <a:extLst>
+              <a:ext uri="{FF2B5EF4-FFF2-40B4-BE49-F238E27FC236}">
+                <a16:creationId xmlns:a16="http://schemas.microsoft.com/office/drawing/2014/main" id="{8B0CFB6E-8984-EE32-9DC3-E61195055D09}"/>
+              </a:ext>
+            </a:extLst>
+          </p:cNvPr>
+          <p:cNvSpPr>
+            <a:spLocks noGrp="1"/>
+          </p:cNvSpPr>
+          <p:nvPr>
+            <p:ph idx="1"/>
+          </p:nvPr>
+        </p:nvSpPr>
+        <p:spPr/>
+        <p:txBody>
+          <a:bodyPr>
+            <a:normAutofit/>
+          </a:bodyPr>
+          <a:lstStyle/>
+          <a:p>
+            <a:r>
+              <a:rPr lang="en-US" sz="2800" dirty="0"/>
+              <a:t>A lightweight notepad for coding</a:t>
+            </a:r>
+          </a:p>
+          <a:p>
+            <a:r>
+              <a:rPr lang="en-US" sz="2800" dirty="0"/>
+              <a:t>You can add functionality with packages</a:t>
+            </a:r>
+          </a:p>
+          <a:p>
+            <a:endParaRPr lang="en-US" sz="2800" dirty="0"/>
+          </a:p>
+        </p:txBody>
+      </p:sp>
+    </p:spTree>
+    <p:extLst>
+      <p:ext uri="{BB962C8B-B14F-4D97-AF65-F5344CB8AC3E}">
+        <p14:creationId xmlns:p14="http://schemas.microsoft.com/office/powerpoint/2010/main" val="3430683663"/>
+      </p:ext>
+    </p:extLst>
+  </p:cSld>
+  <p:clrMapOvr>
+    <a:masterClrMapping/>
+  </p:clrMapOvr>
+</p:sld>
+</file>
+
+<file path=ppt/slides/slide12.xml><?xml version="1.0" encoding="utf-8"?>
+<p:sld xmlns:a="http://schemas.openxmlformats.org/drawingml/2006/main" xmlns:r="http://schemas.openxmlformats.org/officeDocument/2006/relationships" xmlns:p="http://schemas.openxmlformats.org/presentationml/2006/main">
+  <p:cSld>
+    <p:spTree>
+      <p:nvGrpSpPr>
+        <p:cNvPr id="1" name=""/>
+        <p:cNvGrpSpPr/>
+        <p:nvPr/>
+      </p:nvGrpSpPr>
+      <p:grpSpPr>
+        <a:xfrm>
+          <a:off x="0" y="0"/>
+          <a:ext cx="0" cy="0"/>
+          <a:chOff x="0" y="0"/>
+          <a:chExt cx="0" cy="0"/>
+        </a:xfrm>
+      </p:grpSpPr>
+      <p:sp>
+        <p:nvSpPr>
+          <p:cNvPr id="2" name="Title 1">
+            <a:extLst>
+              <a:ext uri="{FF2B5EF4-FFF2-40B4-BE49-F238E27FC236}">
+                <a16:creationId xmlns:a16="http://schemas.microsoft.com/office/drawing/2014/main" id="{9429D410-2245-0645-BCFC-9919A9CFBCBA}"/>
+              </a:ext>
+            </a:extLst>
+          </p:cNvPr>
+          <p:cNvSpPr>
+            <a:spLocks noGrp="1"/>
+          </p:cNvSpPr>
+          <p:nvPr>
+            <p:ph type="title"/>
+          </p:nvPr>
+        </p:nvSpPr>
+        <p:spPr/>
+        <p:txBody>
+          <a:bodyPr/>
+          <a:lstStyle/>
+          <a:p>
+            <a:r>
+              <a:rPr lang="en-US" dirty="0"/>
+              <a:t>Atom 101</a:t>
+            </a:r>
+          </a:p>
+        </p:txBody>
+      </p:sp>
+      <p:sp>
+        <p:nvSpPr>
+          <p:cNvPr id="3" name="Content Placeholder 2">
+            <a:extLst>
+              <a:ext uri="{FF2B5EF4-FFF2-40B4-BE49-F238E27FC236}">
+                <a16:creationId xmlns:a16="http://schemas.microsoft.com/office/drawing/2014/main" id="{E1833D66-6A5C-9746-AECF-D227D57B90F0}"/>
+              </a:ext>
+            </a:extLst>
+          </p:cNvPr>
+          <p:cNvSpPr>
+            <a:spLocks noGrp="1"/>
+          </p:cNvSpPr>
+          <p:nvPr>
+            <p:ph idx="1"/>
+          </p:nvPr>
+        </p:nvSpPr>
+        <p:spPr/>
+        <p:txBody>
+          <a:bodyPr/>
+          <a:lstStyle/>
+          <a:p>
+            <a:pPr marL="0" indent="0">
+              <a:buNone/>
+            </a:pPr>
+            <a:r>
+              <a:rPr lang="en-US" dirty="0">
+                <a:hlinkClick r:id="rId2"/>
+              </a:rPr>
+              <a:t>https://flight-manual.atom.io/getting-started/sections/atom-basics/</a:t>
+            </a:r>
+            <a:endParaRPr lang="en-US" dirty="0"/>
+          </a:p>
+          <a:p>
+            <a:r>
+              <a:rPr lang="en-US" dirty="0"/>
+              <a:t>Change theme and/or install new themes</a:t>
+            </a:r>
+          </a:p>
+          <a:p>
+            <a:r>
+              <a:rPr lang="en-US" dirty="0"/>
+              <a:t>Soft wrap of lines (!!)</a:t>
+            </a:r>
+          </a:p>
+          <a:p>
+            <a:endParaRPr lang="en-US" dirty="0"/>
+          </a:p>
+          <a:p>
+            <a:pPr marL="0" indent="0">
+              <a:buNone/>
+            </a:pPr>
+            <a:r>
+              <a:rPr lang="en-US" b="1" dirty="0"/>
+              <a:t>Command/Ctrl + Shift + P </a:t>
+            </a:r>
+            <a:r>
+              <a:rPr lang="en-US" dirty="0"/>
+              <a:t>to navigate anywhere in Atom</a:t>
+            </a:r>
+          </a:p>
+        </p:txBody>
+      </p:sp>
+    </p:spTree>
+    <p:extLst>
+      <p:ext uri="{BB962C8B-B14F-4D97-AF65-F5344CB8AC3E}">
+        <p14:creationId xmlns:p14="http://schemas.microsoft.com/office/powerpoint/2010/main" val="3344895875"/>
+      </p:ext>
+    </p:extLst>
+  </p:cSld>
+  <p:clrMapOvr>
+    <a:masterClrMapping/>
+  </p:clrMapOvr>
+</p:sld>
+</file>
+
+<file path=ppt/slides/slide13.xml><?xml version="1.0" encoding="utf-8"?>
+<p:sld xmlns:a="http://schemas.openxmlformats.org/drawingml/2006/main" xmlns:r="http://schemas.openxmlformats.org/officeDocument/2006/relationships" xmlns:p="http://schemas.openxmlformats.org/presentationml/2006/main">
+  <p:cSld>
+    <p:spTree>
+      <p:nvGrpSpPr>
+        <p:cNvPr id="1" name=""/>
+        <p:cNvGrpSpPr/>
+        <p:nvPr/>
+      </p:nvGrpSpPr>
+      <p:grpSpPr>
+        <a:xfrm>
+          <a:off x="0" y="0"/>
+          <a:ext cx="0" cy="0"/>
+          <a:chOff x="0" y="0"/>
+          <a:chExt cx="0" cy="0"/>
+        </a:xfrm>
+      </p:grpSpPr>
+      <p:sp>
+        <p:nvSpPr>
+          <p:cNvPr id="2" name="Title 1">
+            <a:extLst>
+              <a:ext uri="{FF2B5EF4-FFF2-40B4-BE49-F238E27FC236}">
+                <a16:creationId xmlns:a16="http://schemas.microsoft.com/office/drawing/2014/main" id="{ED8618AA-65E1-F54B-B3C7-2CEC29464E30}"/>
+              </a:ext>
+            </a:extLst>
+          </p:cNvPr>
+          <p:cNvSpPr>
+            <a:spLocks noGrp="1"/>
+          </p:cNvSpPr>
+          <p:nvPr>
+            <p:ph type="title"/>
+          </p:nvPr>
+        </p:nvSpPr>
+        <p:spPr/>
+        <p:txBody>
+          <a:bodyPr/>
+          <a:lstStyle/>
+          <a:p>
+            <a:r>
+              <a:rPr lang="en-US" dirty="0"/>
+              <a:t>Installing packages</a:t>
+            </a:r>
+          </a:p>
+        </p:txBody>
+      </p:sp>
+      <p:sp>
+        <p:nvSpPr>
+          <p:cNvPr id="3" name="Content Placeholder 2">
+            <a:extLst>
+              <a:ext uri="{FF2B5EF4-FFF2-40B4-BE49-F238E27FC236}">
+                <a16:creationId xmlns:a16="http://schemas.microsoft.com/office/drawing/2014/main" id="{ABD8C19F-98D6-1643-8B82-61AD09FB2467}"/>
+              </a:ext>
+            </a:extLst>
+          </p:cNvPr>
+          <p:cNvSpPr>
+            <a:spLocks noGrp="1"/>
+          </p:cNvSpPr>
+          <p:nvPr>
+            <p:ph idx="1"/>
+          </p:nvPr>
+        </p:nvSpPr>
+        <p:spPr/>
+        <p:txBody>
+          <a:bodyPr/>
+          <a:lstStyle/>
+          <a:p>
+            <a:r>
+              <a:rPr lang="en-US" dirty="0">
+                <a:hlinkClick r:id="rId2"/>
+              </a:rPr>
+              <a:t>https://flight-manual.atom.io/using-atom/sections/atom-packages/</a:t>
+            </a:r>
+            <a:endParaRPr lang="en-US" dirty="0"/>
+          </a:p>
+          <a:p>
+            <a:endParaRPr lang="en-US" dirty="0"/>
+          </a:p>
+          <a:p>
+            <a:r>
+              <a:rPr lang="en-US" dirty="0"/>
+              <a:t>I recommend the “script” package – allows you to launch any kind of code directly from atom (python, R, html/JS)</a:t>
+            </a:r>
+          </a:p>
+        </p:txBody>
+      </p:sp>
+    </p:spTree>
+    <p:extLst>
+      <p:ext uri="{BB962C8B-B14F-4D97-AF65-F5344CB8AC3E}">
+        <p14:creationId xmlns:p14="http://schemas.microsoft.com/office/powerpoint/2010/main" val="2694281490"/>
+      </p:ext>
+    </p:extLst>
+  </p:cSld>
+  <p:clrMapOvr>
+    <a:masterClrMapping/>
+  </p:clrMapOvr>
+</p:sld>
+</file>
+
+<file path=ppt/slides/slide14.xml><?xml version="1.0" encoding="utf-8"?>
+<p:sld xmlns:a="http://schemas.openxmlformats.org/drawingml/2006/main" xmlns:r="http://schemas.openxmlformats.org/officeDocument/2006/relationships" xmlns:p="http://schemas.openxmlformats.org/presentationml/2006/main">
+  <p:cSld>
+    <p:spTree>
+      <p:nvGrpSpPr>
+        <p:cNvPr id="1" name=""/>
+        <p:cNvGrpSpPr/>
+        <p:nvPr/>
+      </p:nvGrpSpPr>
+      <p:grpSpPr>
+        <a:xfrm>
+          <a:off x="0" y="0"/>
+          <a:ext cx="0" cy="0"/>
+          <a:chOff x="0" y="0"/>
+          <a:chExt cx="0" cy="0"/>
+        </a:xfrm>
+      </p:grpSpPr>
+      <p:sp>
+        <p:nvSpPr>
+          <p:cNvPr id="2" name="Title 1">
+            <a:extLst>
+              <a:ext uri="{FF2B5EF4-FFF2-40B4-BE49-F238E27FC236}">
+                <a16:creationId xmlns:a16="http://schemas.microsoft.com/office/drawing/2014/main" id="{A5EAF010-1C52-FA4A-B6DA-C419E1ED6157}"/>
+              </a:ext>
+            </a:extLst>
+          </p:cNvPr>
+          <p:cNvSpPr>
+            <a:spLocks noGrp="1"/>
+          </p:cNvSpPr>
+          <p:nvPr>
+            <p:ph type="title"/>
+          </p:nvPr>
+        </p:nvSpPr>
+        <p:spPr/>
+        <p:txBody>
+          <a:bodyPr/>
+          <a:lstStyle/>
+          <a:p>
+            <a:r>
+              <a:rPr lang="en-US" dirty="0"/>
+              <a:t>the “script” package</a:t>
+            </a:r>
+          </a:p>
+        </p:txBody>
+      </p:sp>
+      <p:sp>
+        <p:nvSpPr>
+          <p:cNvPr id="3" name="Content Placeholder 2">
+            <a:extLst>
+              <a:ext uri="{FF2B5EF4-FFF2-40B4-BE49-F238E27FC236}">
+                <a16:creationId xmlns:a16="http://schemas.microsoft.com/office/drawing/2014/main" id="{90BBA392-CA21-7F44-99EB-BA742FC87037}"/>
+              </a:ext>
+            </a:extLst>
+          </p:cNvPr>
+          <p:cNvSpPr>
+            <a:spLocks noGrp="1"/>
+          </p:cNvSpPr>
+          <p:nvPr>
+            <p:ph idx="1"/>
+          </p:nvPr>
+        </p:nvSpPr>
+        <p:spPr/>
+        <p:txBody>
+          <a:bodyPr/>
+          <a:lstStyle/>
+          <a:p>
+            <a:r>
+              <a:rPr lang="en-US" b="1" dirty="0"/>
+              <a:t>Command/Ctrl + I </a:t>
+            </a:r>
+            <a:r>
+              <a:rPr lang="en-US" dirty="0"/>
+              <a:t>launches the current script from Atom using the default application for that extension</a:t>
+            </a:r>
+          </a:p>
+          <a:p>
+            <a:r>
+              <a:rPr lang="en-US"/>
+              <a:t>For </a:t>
+            </a:r>
+            <a:r>
+              <a:rPr lang="en-US" dirty="0"/>
+              <a:t>.</a:t>
+            </a:r>
+            <a:r>
+              <a:rPr lang="en-US"/>
+              <a:t>html files, </a:t>
+            </a:r>
+            <a:r>
+              <a:rPr lang="en-US" dirty="0"/>
+              <a:t>you can set your default browser to Chrome and this will make it easier to launch files</a:t>
+            </a:r>
+          </a:p>
+        </p:txBody>
+      </p:sp>
+    </p:spTree>
+    <p:extLst>
+      <p:ext uri="{BB962C8B-B14F-4D97-AF65-F5344CB8AC3E}">
+        <p14:creationId xmlns:p14="http://schemas.microsoft.com/office/powerpoint/2010/main" val="621954991"/>
+      </p:ext>
+    </p:extLst>
+  </p:cSld>
+  <p:clrMapOvr>
+    <a:masterClrMapping/>
+  </p:clrMapOvr>
+</p:sld>
+</file>
+
+<file path=ppt/slides/slide15.xml><?xml version="1.0" encoding="utf-8"?>
+<p:sld xmlns:a="http://schemas.openxmlformats.org/drawingml/2006/main" xmlns:r="http://schemas.openxmlformats.org/officeDocument/2006/relationships" xmlns:p="http://schemas.openxmlformats.org/presentationml/2006/main">
+  <p:cSld>
     <p:bg>
       <p:bgPr>
         <a:solidFill>
@@ -22743,7 +23170,7 @@
 </p:sld>
 </file>
 
-<file path=ppt/slides/slide12.xml><?xml version="1.0" encoding="utf-8"?>
+<file path=ppt/slides/slide16.xml><?xml version="1.0" encoding="utf-8"?>
 <p:sld xmlns:a="http://schemas.openxmlformats.org/drawingml/2006/main" xmlns:r="http://schemas.openxmlformats.org/officeDocument/2006/relationships" xmlns:p="http://schemas.openxmlformats.org/presentationml/2006/main">
   <p:cSld>
     <p:spTree>
